--- a/510_UI.pptx
+++ b/510_UI.pptx
@@ -4790,7 +4790,7 @@
             </a:pPr>
             <a:r>
               <a:rPr lang="en-US" sz="1600" dirty="0"/>
-              <a:t>https://www.youtube.com/watch?v=HgyocPuO1Hk&amp;list=PLD0D54219E5F2544D&amp;index=9</a:t>
+              <a:t>https://www.youtube.com/watch?v=DUeMzXc2V_Q&amp;list=PLD0D54219E5F2544D&amp;index=10</a:t>
             </a:r>
             <a:endParaRPr kumimoji="0" lang="zh-TW" altLang="en-US" sz="1600" b="0" i="0" u="none" strike="noStrike" kern="1200" cap="none" spc="0" normalizeH="0" baseline="0" noProof="0" dirty="0">
               <a:ln>
@@ -5438,7 +5438,7 @@
             </a:pPr>
             <a:r>
               <a:rPr lang="en-US" sz="1600" dirty="0"/>
-              <a:t>https://www.youtube.com/watch?v=HgyocPuO1Hk&amp;list=PLD0D54219E5F2544D&amp;index=9</a:t>
+              <a:t>https://www.youtube.com/watch?v=DUeMzXc2V_Q&amp;list=PLD0D54219E5F2544D&amp;index=10</a:t>
             </a:r>
             <a:endParaRPr kumimoji="0" lang="zh-TW" altLang="en-US" sz="1600" b="0" i="0" u="none" strike="noStrike" kern="1200" cap="none" spc="0" normalizeH="0" baseline="0" noProof="0" dirty="0">
               <a:ln>
@@ -5902,7 +5902,7 @@
             </a:pPr>
             <a:r>
               <a:rPr lang="en-US" sz="1600" dirty="0"/>
-              <a:t>https://www.youtube.com/watch?v=HgyocPuO1Hk&amp;list=PLD0D54219E5F2544D&amp;index=9</a:t>
+              <a:t>https://www.youtube.com/watch?v=DUeMzXc2V_Q&amp;list=PLD0D54219E5F2544D&amp;index=10</a:t>
             </a:r>
             <a:endParaRPr kumimoji="0" lang="zh-TW" altLang="en-US" sz="1600" b="0" i="0" u="none" strike="noStrike" kern="1200" cap="none" spc="0" normalizeH="0" baseline="0" noProof="0" dirty="0">
               <a:ln>
